--- a/Session_00/Week-00-Introduction-to-OOP.pptx
+++ b/Session_00/Week-00-Introduction-to-OOP.pptx
@@ -856,7 +856,7 @@
           <a:p>
             <a:fld id="{8C858F34-54C5-48CF-A93B-FB3A8D91B504}" type="datetimeFigureOut">
               <a:rPr lang="en-US" smtClean="0"/>
-              <a:t>2023-11-29</a:t>
+              <a:t>11/25/2024</a:t>
             </a:fld>
             <a:endParaRPr lang="en-US"/>
           </a:p>
@@ -1054,7 +1054,7 @@
           <a:p>
             <a:fld id="{8C858F34-54C5-48CF-A93B-FB3A8D91B504}" type="datetimeFigureOut">
               <a:rPr lang="en-US" smtClean="0"/>
-              <a:t>2023-11-29</a:t>
+              <a:t>11/25/2024</a:t>
             </a:fld>
             <a:endParaRPr lang="en-US"/>
           </a:p>
@@ -1262,7 +1262,7 @@
           <a:p>
             <a:fld id="{8C858F34-54C5-48CF-A93B-FB3A8D91B504}" type="datetimeFigureOut">
               <a:rPr lang="en-US" smtClean="0"/>
-              <a:t>2023-11-29</a:t>
+              <a:t>11/25/2024</a:t>
             </a:fld>
             <a:endParaRPr lang="en-US"/>
           </a:p>
@@ -1460,7 +1460,7 @@
           <a:p>
             <a:fld id="{8C858F34-54C5-48CF-A93B-FB3A8D91B504}" type="datetimeFigureOut">
               <a:rPr lang="en-US" smtClean="0"/>
-              <a:t>2023-11-29</a:t>
+              <a:t>11/25/2024</a:t>
             </a:fld>
             <a:endParaRPr lang="en-US"/>
           </a:p>
@@ -1735,7 +1735,7 @@
           <a:p>
             <a:fld id="{8C858F34-54C5-48CF-A93B-FB3A8D91B504}" type="datetimeFigureOut">
               <a:rPr lang="en-US" smtClean="0"/>
-              <a:t>2023-11-29</a:t>
+              <a:t>11/25/2024</a:t>
             </a:fld>
             <a:endParaRPr lang="en-US"/>
           </a:p>
@@ -2000,7 +2000,7 @@
           <a:p>
             <a:fld id="{8C858F34-54C5-48CF-A93B-FB3A8D91B504}" type="datetimeFigureOut">
               <a:rPr lang="en-US" smtClean="0"/>
-              <a:t>2023-11-29</a:t>
+              <a:t>11/25/2024</a:t>
             </a:fld>
             <a:endParaRPr lang="en-US"/>
           </a:p>
@@ -2412,7 +2412,7 @@
           <a:p>
             <a:fld id="{8C858F34-54C5-48CF-A93B-FB3A8D91B504}" type="datetimeFigureOut">
               <a:rPr lang="en-US" smtClean="0"/>
-              <a:t>2023-11-29</a:t>
+              <a:t>11/25/2024</a:t>
             </a:fld>
             <a:endParaRPr lang="en-US"/>
           </a:p>
@@ -2553,7 +2553,7 @@
           <a:p>
             <a:fld id="{8C858F34-54C5-48CF-A93B-FB3A8D91B504}" type="datetimeFigureOut">
               <a:rPr lang="en-US" smtClean="0"/>
-              <a:t>2023-11-29</a:t>
+              <a:t>11/25/2024</a:t>
             </a:fld>
             <a:endParaRPr lang="en-US"/>
           </a:p>
@@ -2666,7 +2666,7 @@
           <a:p>
             <a:fld id="{8C858F34-54C5-48CF-A93B-FB3A8D91B504}" type="datetimeFigureOut">
               <a:rPr lang="en-US" smtClean="0"/>
-              <a:t>2023-11-29</a:t>
+              <a:t>11/25/2024</a:t>
             </a:fld>
             <a:endParaRPr lang="en-US"/>
           </a:p>
@@ -2977,7 +2977,7 @@
           <a:p>
             <a:fld id="{8C858F34-54C5-48CF-A93B-FB3A8D91B504}" type="datetimeFigureOut">
               <a:rPr lang="en-US" smtClean="0"/>
-              <a:t>2023-11-29</a:t>
+              <a:t>11/25/2024</a:t>
             </a:fld>
             <a:endParaRPr lang="en-US"/>
           </a:p>
@@ -3265,7 +3265,7 @@
           <a:p>
             <a:fld id="{8C858F34-54C5-48CF-A93B-FB3A8D91B504}" type="datetimeFigureOut">
               <a:rPr lang="en-US" smtClean="0"/>
-              <a:t>2023-11-29</a:t>
+              <a:t>11/25/2024</a:t>
             </a:fld>
             <a:endParaRPr lang="en-US"/>
           </a:p>
@@ -3509,7 +3509,7 @@
           <a:p>
             <a:fld id="{8C858F34-54C5-48CF-A93B-FB3A8D91B504}" type="datetimeFigureOut">
               <a:rPr lang="en-US" smtClean="0"/>
-              <a:t>2023-11-29</a:t>
+              <a:t>11/25/2024</a:t>
             </a:fld>
             <a:endParaRPr lang="en-US"/>
           </a:p>
@@ -8309,7 +8309,7 @@
                 <a:latin typeface="TH Baijam" pitchFamily="2" charset="-34"/>
                 <a:cs typeface="TH Baijam" pitchFamily="2" charset="-34"/>
               </a:rPr>
-              <a:t>พฤหัสบดี </a:t>
+              <a:t>ศุกร์ </a:t>
             </a:r>
             <a:r>
               <a:rPr lang="th-TH" sz="4000" b="1" dirty="0">
@@ -8375,7 +8375,7 @@
                 <a:latin typeface="TH Baijam" pitchFamily="2" charset="-34"/>
                 <a:cs typeface="TH Baijam" pitchFamily="2" charset="-34"/>
               </a:rPr>
-              <a:t>66</a:t>
+              <a:t>67</a:t>
             </a:r>
           </a:p>
         </p:txBody>
@@ -11718,21 +11718,6 @@
 </file>
 
 <file path=customXml/item1.xml><?xml version="1.0" encoding="utf-8"?>
-<?mso-contentType ?>
-<FormTemplates xmlns="http://schemas.microsoft.com/sharepoint/v3/contenttype/forms">
-  <Display>DocumentLibraryForm</Display>
-  <Edit>DocumentLibraryForm</Edit>
-  <New>DocumentLibraryForm</New>
-</FormTemplates>
-</file>
-
-<file path=customXml/item2.xml><?xml version="1.0" encoding="utf-8"?>
-<p:properties xmlns:p="http://schemas.microsoft.com/office/2006/metadata/properties" xmlns:xsi="http://www.w3.org/2001/XMLSchema-instance" xmlns:pc="http://schemas.microsoft.com/office/infopath/2007/PartnerControls">
-  <documentManagement/>
-</p:properties>
-</file>
-
-<file path=customXml/item3.xml><?xml version="1.0" encoding="utf-8"?>
 <ct:contentTypeSchema xmlns:ct="http://schemas.microsoft.com/office/2006/metadata/contentType" xmlns:ma="http://schemas.microsoft.com/office/2006/metadata/properties/metaAttributes" ct:_="" ma:_="" ma:contentTypeName="Document" ma:contentTypeID="0x01010046AB80A3737EC242A6743D40C2A602F8" ma:contentTypeVersion="3" ma:contentTypeDescription="Create a new document." ma:contentTypeScope="" ma:versionID="6d235cdded959b07f7673da65ae1f5bf">
   <xsd:schema xmlns:xsd="http://www.w3.org/2001/XMLSchema" xmlns:xs="http://www.w3.org/2001/XMLSchema" xmlns:p="http://schemas.microsoft.com/office/2006/metadata/properties" xmlns:ns2="9c861e8e-0047-4445-9467-b3712011d2a2" targetNamespace="http://schemas.microsoft.com/office/2006/metadata/properties" ma:root="true" ma:fieldsID="a4a8a0b4722c688bcf96caacd8621b92" ns2:_="">
     <xsd:import namespace="9c861e8e-0047-4445-9467-b3712011d2a2"/>
@@ -11870,10 +11855,35 @@
 </ct:contentTypeSchema>
 </file>
 
+<file path=customXml/item2.xml><?xml version="1.0" encoding="utf-8"?>
+<p:properties xmlns:p="http://schemas.microsoft.com/office/2006/metadata/properties" xmlns:xsi="http://www.w3.org/2001/XMLSchema-instance" xmlns:pc="http://schemas.microsoft.com/office/infopath/2007/PartnerControls">
+  <documentManagement/>
+</p:properties>
+</file>
+
+<file path=customXml/item3.xml><?xml version="1.0" encoding="utf-8"?>
+<?mso-contentType ?>
+<FormTemplates xmlns="http://schemas.microsoft.com/sharepoint/v3/contenttype/forms">
+  <Display>DocumentLibraryForm</Display>
+  <Edit>DocumentLibraryForm</Edit>
+  <New>DocumentLibraryForm</New>
+</FormTemplates>
+</file>
+
 <file path=customXml/itemProps1.xml><?xml version="1.0" encoding="utf-8"?>
-<ds:datastoreItem xmlns:ds="http://schemas.openxmlformats.org/officeDocument/2006/customXml" ds:itemID="{B1842B32-3525-4EEF-BBB1-CEFE0D90C865}">
+<ds:datastoreItem xmlns:ds="http://schemas.openxmlformats.org/officeDocument/2006/customXml" ds:itemID="{3F845B71-8C50-43E4-9FD4-1D4C375F621A}">
   <ds:schemaRefs>
-    <ds:schemaRef ds:uri="http://schemas.microsoft.com/sharepoint/v3/contenttype/forms"/>
+    <ds:schemaRef ds:uri="http://schemas.microsoft.com/office/2006/metadata/contentType"/>
+    <ds:schemaRef ds:uri="http://schemas.microsoft.com/office/2006/metadata/properties/metaAttributes"/>
+    <ds:schemaRef ds:uri="http://www.w3.org/2001/XMLSchema"/>
+    <ds:schemaRef ds:uri="http://schemas.microsoft.com/office/2006/metadata/properties"/>
+    <ds:schemaRef ds:uri="9c861e8e-0047-4445-9467-b3712011d2a2"/>
+    <ds:schemaRef ds:uri="http://schemas.microsoft.com/office/2006/documentManagement/types"/>
+    <ds:schemaRef ds:uri="http://schemas.microsoft.com/office/infopath/2007/PartnerControls"/>
+    <ds:schemaRef ds:uri="http://schemas.openxmlformats.org/package/2006/metadata/core-properties"/>
+    <ds:schemaRef ds:uri="http://purl.org/dc/elements/1.1/"/>
+    <ds:schemaRef ds:uri="http://purl.org/dc/terms/"/>
+    <ds:schemaRef ds:uri="http://schemas.microsoft.com/internal/obd"/>
   </ds:schemaRefs>
 </ds:datastoreItem>
 </file>
@@ -11890,19 +11900,9 @@
 </file>
 
 <file path=customXml/itemProps3.xml><?xml version="1.0" encoding="utf-8"?>
-<ds:datastoreItem xmlns:ds="http://schemas.openxmlformats.org/officeDocument/2006/customXml" ds:itemID="{3F845B71-8C50-43E4-9FD4-1D4C375F621A}">
+<ds:datastoreItem xmlns:ds="http://schemas.openxmlformats.org/officeDocument/2006/customXml" ds:itemID="{B1842B32-3525-4EEF-BBB1-CEFE0D90C865}">
   <ds:schemaRefs>
-    <ds:schemaRef ds:uri="http://schemas.microsoft.com/office/2006/metadata/contentType"/>
-    <ds:schemaRef ds:uri="http://schemas.microsoft.com/office/2006/metadata/properties/metaAttributes"/>
-    <ds:schemaRef ds:uri="http://www.w3.org/2001/XMLSchema"/>
-    <ds:schemaRef ds:uri="http://schemas.microsoft.com/office/2006/metadata/properties"/>
-    <ds:schemaRef ds:uri="9c861e8e-0047-4445-9467-b3712011d2a2"/>
-    <ds:schemaRef ds:uri="http://schemas.microsoft.com/office/2006/documentManagement/types"/>
-    <ds:schemaRef ds:uri="http://schemas.microsoft.com/office/infopath/2007/PartnerControls"/>
-    <ds:schemaRef ds:uri="http://schemas.openxmlformats.org/package/2006/metadata/core-properties"/>
-    <ds:schemaRef ds:uri="http://purl.org/dc/elements/1.1/"/>
-    <ds:schemaRef ds:uri="http://purl.org/dc/terms/"/>
-    <ds:schemaRef ds:uri="http://schemas.microsoft.com/internal/obd"/>
+    <ds:schemaRef ds:uri="http://schemas.microsoft.com/sharepoint/v3/contenttype/forms"/>
   </ds:schemaRefs>
 </ds:datastoreItem>
 </file>